--- a/LUHA COMPANY.pptx
+++ b/LUHA COMPANY.pptx
@@ -1567,7 +1567,7 @@
                 <a:ea typeface="Poppins" pitchFamily="34" charset="-122"/>
                 <a:cs typeface="Poppins" pitchFamily="34" charset="-120"/>
               </a:rPr>
-              <a:t>    LUHA Company</a:t>
+              <a:t>    LUHA</a:t>
             </a:r>
             <a:endParaRPr lang="en-US" sz="6000" dirty="0"/>
           </a:p>
@@ -1581,8 +1581,8 @@
         </p:nvSpPr>
         <p:spPr>
           <a:xfrm>
-            <a:off x="2829650" y="2571750"/>
-            <a:ext cx="3726982" cy="239617"/>
+            <a:off x="2894573" y="2571750"/>
+            <a:ext cx="3597139" cy="239617"/>
           </a:xfrm>
           <a:prstGeom prst="rect">
             <a:avLst/>
@@ -1610,18 +1610,7 @@
                 <a:ea typeface="Merriweather" pitchFamily="34" charset="-122"/>
                 <a:cs typeface="Merriweather" pitchFamily="34" charset="-120"/>
               </a:rPr>
-              <a:t>AI Generative language learning </a:t>
-            </a:r>
-            <a:r>
-              <a:rPr lang="en-US" sz="1400" dirty="0">
-                <a:solidFill>
-                  <a:srgbClr val="151515"/>
-                </a:solidFill>
-                <a:latin typeface="Merriweather" pitchFamily="34" charset="0"/>
-                <a:ea typeface="Merriweather" pitchFamily="34" charset="-122"/>
-                <a:cs typeface="Merriweather" pitchFamily="34" charset="-120"/>
-              </a:rPr>
-              <a:t>Company</a:t>
+              <a:t>AI Generative language learning Website</a:t>
             </a:r>
             <a:endParaRPr lang="en-US" sz="1350" dirty="0"/>
           </a:p>
@@ -3035,7 +3024,29 @@
                 <a:ea typeface="Merriweather" pitchFamily="34" charset="-122"/>
                 <a:cs typeface="Merriweather" pitchFamily="34" charset="-120"/>
               </a:rPr>
-              <a:t>Luha Company is an AI generative company where language learning meets innovation and inspiration.</a:t>
+              <a:t>Luha Company is an AI generative </a:t>
+            </a:r>
+            <a:r>
+              <a:rPr lang="en-US" sz="1200" dirty="0">
+                <a:solidFill>
+                  <a:srgbClr val="757575"/>
+                </a:solidFill>
+                <a:latin typeface="Merriweather" pitchFamily="34" charset="0"/>
+                <a:ea typeface="Merriweather" pitchFamily="34" charset="-122"/>
+                <a:cs typeface="Merriweather" pitchFamily="34" charset="-120"/>
+              </a:rPr>
+              <a:t>website</a:t>
+            </a:r>
+            <a:r>
+              <a:rPr lang="en-US" sz="1200" b="0" dirty="0">
+                <a:solidFill>
+                  <a:srgbClr val="757575"/>
+                </a:solidFill>
+                <a:latin typeface="Merriweather" pitchFamily="34" charset="0"/>
+                <a:ea typeface="Merriweather" pitchFamily="34" charset="-122"/>
+                <a:cs typeface="Merriweather" pitchFamily="34" charset="-120"/>
+              </a:rPr>
+              <a:t> where language learning meets innovation and inspiration.</a:t>
             </a:r>
             <a:endParaRPr lang="en-US" sz="1200" dirty="0"/>
           </a:p>
